--- a/Project Overview and SDG Alignment.pptx
+++ b/Project Overview and SDG Alignment.pptx
@@ -114,11 +114,16 @@
       </a:defRPr>
     </a:lvl9pPr>
   </p:defaultTextStyle>
+  <p:extLst>
+    <p:ext uri="{EFAFB233-063F-42B5-8137-9DF3F51BA10A}">
+      <p15:sldGuideLst xmlns:p15="http://schemas.microsoft.com/office/powerpoint/2012/main"/>
+    </p:ext>
+  </p:extLst>
 </p:presentation>
 </file>
 
 <file path=ppt/charts/chart1.xml><?xml version="1.0" encoding="utf-8"?>
-<c:chartSpace xmlns:c="http://schemas.openxmlformats.org/drawingml/2006/chart" xmlns:a="http://schemas.openxmlformats.org/drawingml/2006/main" xmlns:r="http://schemas.openxmlformats.org/officeDocument/2006/relationships">
+<c:chartSpace xmlns:c="http://schemas.openxmlformats.org/drawingml/2006/chart" xmlns:a="http://schemas.openxmlformats.org/drawingml/2006/main" xmlns:r="http://schemas.openxmlformats.org/officeDocument/2006/relationships" xmlns:c16r2="http://schemas.microsoft.com/office/drawing/2015/06/chart">
   <c:date1904 val="0"/>
   <c:lang val="en-US"/>
   <c:roundedCorners val="0"/>
@@ -161,7 +166,6 @@
           </a:p>
         </c:rich>
       </c:tx>
-      <c:layout/>
       <c:overlay val="0"/>
       <c:spPr>
         <a:noFill/>
@@ -376,6 +380,11 @@
               </c:numCache>
             </c:numRef>
           </c:val>
+          <c:extLst>
+            <c:ext xmlns:c16="http://schemas.microsoft.com/office/drawing/2014/chart" uri="{C3380CC4-5D6E-409C-BE32-E72D297353CC}">
+              <c16:uniqueId val="{00000000-C007-4A6C-8CE9-79CC293EF9D9}"/>
+            </c:ext>
+          </c:extLst>
         </c:ser>
         <c:dLbls>
           <c:showLegendKey val="0"/>
@@ -1168,7 +1177,7 @@
           </a:lstStyle>
           <a:p>
             <a:r>
-              <a:rPr lang="en-US" smtClean="0"/>
+              <a:rPr lang="en-US"/>
               <a:t>Click to edit Master title style</a:t>
             </a:r>
             <a:endParaRPr lang="en-US" dirty="0"/>
@@ -1248,7 +1257,7 @@
           </a:lstStyle>
           <a:p>
             <a:r>
-              <a:rPr lang="en-US" smtClean="0"/>
+              <a:rPr lang="en-US"/>
               <a:t>Click to edit Master subtitle style</a:t>
             </a:r>
             <a:endParaRPr lang="en-US" dirty="0"/>
@@ -1405,7 +1414,7 @@
           <a:lstStyle/>
           <a:p>
             <a:r>
-              <a:rPr lang="en-US" smtClean="0"/>
+              <a:rPr lang="en-US"/>
               <a:t>Click to edit Master title style</a:t>
             </a:r>
             <a:endParaRPr lang="en-US" dirty="0"/>
@@ -1429,35 +1438,35 @@
           <a:p>
             <a:pPr lvl="0"/>
             <a:r>
-              <a:rPr lang="en-US" smtClean="0"/>
+              <a:rPr lang="en-US"/>
               <a:t>Click to edit Master text styles</a:t>
             </a:r>
           </a:p>
           <a:p>
             <a:pPr lvl="1"/>
             <a:r>
-              <a:rPr lang="en-US" smtClean="0"/>
+              <a:rPr lang="en-US"/>
               <a:t>Second level</a:t>
             </a:r>
           </a:p>
           <a:p>
             <a:pPr lvl="2"/>
             <a:r>
-              <a:rPr lang="en-US" smtClean="0"/>
+              <a:rPr lang="en-US"/>
               <a:t>Third level</a:t>
             </a:r>
           </a:p>
           <a:p>
             <a:pPr lvl="3"/>
             <a:r>
-              <a:rPr lang="en-US" smtClean="0"/>
+              <a:rPr lang="en-US"/>
               <a:t>Fourth level</a:t>
             </a:r>
           </a:p>
           <a:p>
             <a:pPr lvl="4"/>
             <a:r>
-              <a:rPr lang="en-US" smtClean="0"/>
+              <a:rPr lang="en-US"/>
               <a:t>Fifth level</a:t>
             </a:r>
             <a:endParaRPr lang="en-US" dirty="0"/>
@@ -1580,7 +1589,7 @@
           <a:lstStyle/>
           <a:p>
             <a:r>
-              <a:rPr lang="en-US" smtClean="0"/>
+              <a:rPr lang="en-US"/>
               <a:t>Click to edit Master title style</a:t>
             </a:r>
             <a:endParaRPr lang="en-US" dirty="0"/>
@@ -1609,35 +1618,35 @@
           <a:p>
             <a:pPr lvl="0"/>
             <a:r>
-              <a:rPr lang="en-US" smtClean="0"/>
+              <a:rPr lang="en-US"/>
               <a:t>Click to edit Master text styles</a:t>
             </a:r>
           </a:p>
           <a:p>
             <a:pPr lvl="1"/>
             <a:r>
-              <a:rPr lang="en-US" smtClean="0"/>
+              <a:rPr lang="en-US"/>
               <a:t>Second level</a:t>
             </a:r>
           </a:p>
           <a:p>
             <a:pPr lvl="2"/>
             <a:r>
-              <a:rPr lang="en-US" smtClean="0"/>
+              <a:rPr lang="en-US"/>
               <a:t>Third level</a:t>
             </a:r>
           </a:p>
           <a:p>
             <a:pPr lvl="3"/>
             <a:r>
-              <a:rPr lang="en-US" smtClean="0"/>
+              <a:rPr lang="en-US"/>
               <a:t>Fourth level</a:t>
             </a:r>
           </a:p>
           <a:p>
             <a:pPr lvl="4"/>
             <a:r>
-              <a:rPr lang="en-US" smtClean="0"/>
+              <a:rPr lang="en-US"/>
               <a:t>Fifth level</a:t>
             </a:r>
             <a:endParaRPr lang="en-US" dirty="0"/>
@@ -1790,7 +1799,7 @@
           <a:lstStyle/>
           <a:p>
             <a:r>
-              <a:rPr lang="en-US" smtClean="0"/>
+              <a:rPr lang="en-US"/>
               <a:t>Click to edit Master title style</a:t>
             </a:r>
             <a:endParaRPr lang="en-US" dirty="0"/>
@@ -1814,35 +1823,35 @@
           <a:p>
             <a:pPr lvl="0"/>
             <a:r>
-              <a:rPr lang="en-US" smtClean="0"/>
+              <a:rPr lang="en-US"/>
               <a:t>Click to edit Master text styles</a:t>
             </a:r>
           </a:p>
           <a:p>
             <a:pPr lvl="1"/>
             <a:r>
-              <a:rPr lang="en-US" smtClean="0"/>
+              <a:rPr lang="en-US"/>
               <a:t>Second level</a:t>
             </a:r>
           </a:p>
           <a:p>
             <a:pPr lvl="2"/>
             <a:r>
-              <a:rPr lang="en-US" smtClean="0"/>
+              <a:rPr lang="en-US"/>
               <a:t>Third level</a:t>
             </a:r>
           </a:p>
           <a:p>
             <a:pPr lvl="3"/>
             <a:r>
-              <a:rPr lang="en-US" smtClean="0"/>
+              <a:rPr lang="en-US"/>
               <a:t>Fourth level</a:t>
             </a:r>
           </a:p>
           <a:p>
             <a:pPr lvl="4"/>
             <a:r>
-              <a:rPr lang="en-US" smtClean="0"/>
+              <a:rPr lang="en-US"/>
               <a:t>Fifth level</a:t>
             </a:r>
             <a:endParaRPr lang="en-US" dirty="0"/>
@@ -2009,7 +2018,7 @@
           </a:lstStyle>
           <a:p>
             <a:r>
-              <a:rPr lang="en-US" smtClean="0"/>
+              <a:rPr lang="en-US"/>
               <a:t>Click to edit Master title style</a:t>
             </a:r>
             <a:endParaRPr lang="en-US" dirty="0"/>
@@ -2138,7 +2147,7 @@
           <a:p>
             <a:pPr lvl="0"/>
             <a:r>
-              <a:rPr lang="en-US" smtClean="0"/>
+              <a:rPr lang="en-US"/>
               <a:t>Click to edit Master text styles</a:t>
             </a:r>
           </a:p>
@@ -2295,7 +2304,7 @@
           <a:lstStyle/>
           <a:p>
             <a:r>
-              <a:rPr lang="en-US" smtClean="0"/>
+              <a:rPr lang="en-US"/>
               <a:t>Click to edit Master title style</a:t>
             </a:r>
             <a:endParaRPr lang="en-US" dirty="0"/>
@@ -2324,35 +2333,35 @@
           <a:p>
             <a:pPr lvl="0"/>
             <a:r>
-              <a:rPr lang="en-US" smtClean="0"/>
+              <a:rPr lang="en-US"/>
               <a:t>Click to edit Master text styles</a:t>
             </a:r>
           </a:p>
           <a:p>
             <a:pPr lvl="1"/>
             <a:r>
-              <a:rPr lang="en-US" smtClean="0"/>
+              <a:rPr lang="en-US"/>
               <a:t>Second level</a:t>
             </a:r>
           </a:p>
           <a:p>
             <a:pPr lvl="2"/>
             <a:r>
-              <a:rPr lang="en-US" smtClean="0"/>
+              <a:rPr lang="en-US"/>
               <a:t>Third level</a:t>
             </a:r>
           </a:p>
           <a:p>
             <a:pPr lvl="3"/>
             <a:r>
-              <a:rPr lang="en-US" smtClean="0"/>
+              <a:rPr lang="en-US"/>
               <a:t>Fourth level</a:t>
             </a:r>
           </a:p>
           <a:p>
             <a:pPr lvl="4"/>
             <a:r>
-              <a:rPr lang="en-US" smtClean="0"/>
+              <a:rPr lang="en-US"/>
               <a:t>Fifth level</a:t>
             </a:r>
             <a:endParaRPr lang="en-US" dirty="0"/>
@@ -2381,35 +2390,35 @@
           <a:p>
             <a:pPr lvl="0"/>
             <a:r>
-              <a:rPr lang="en-US" smtClean="0"/>
+              <a:rPr lang="en-US"/>
               <a:t>Click to edit Master text styles</a:t>
             </a:r>
           </a:p>
           <a:p>
             <a:pPr lvl="1"/>
             <a:r>
-              <a:rPr lang="en-US" smtClean="0"/>
+              <a:rPr lang="en-US"/>
               <a:t>Second level</a:t>
             </a:r>
           </a:p>
           <a:p>
             <a:pPr lvl="2"/>
             <a:r>
-              <a:rPr lang="en-US" smtClean="0"/>
+              <a:rPr lang="en-US"/>
               <a:t>Third level</a:t>
             </a:r>
           </a:p>
           <a:p>
             <a:pPr lvl="3"/>
             <a:r>
-              <a:rPr lang="en-US" smtClean="0"/>
+              <a:rPr lang="en-US"/>
               <a:t>Fourth level</a:t>
             </a:r>
           </a:p>
           <a:p>
             <a:pPr lvl="4"/>
             <a:r>
-              <a:rPr lang="en-US" smtClean="0"/>
+              <a:rPr lang="en-US"/>
               <a:t>Fifth level</a:t>
             </a:r>
             <a:endParaRPr lang="en-US" dirty="0"/>
@@ -2532,7 +2541,7 @@
           <a:lstStyle/>
           <a:p>
             <a:r>
-              <a:rPr lang="en-US" smtClean="0"/>
+              <a:rPr lang="en-US"/>
               <a:t>Click to edit Master title style</a:t>
             </a:r>
             <a:endParaRPr lang="en-US" dirty="0"/>
@@ -2613,7 +2622,7 @@
           <a:p>
             <a:pPr lvl="0"/>
             <a:r>
-              <a:rPr lang="en-US" smtClean="0"/>
+              <a:rPr lang="en-US"/>
               <a:t>Click to edit Master text styles</a:t>
             </a:r>
           </a:p>
@@ -2641,35 +2650,35 @@
           <a:p>
             <a:pPr lvl="0"/>
             <a:r>
-              <a:rPr lang="en-US" smtClean="0"/>
+              <a:rPr lang="en-US"/>
               <a:t>Click to edit Master text styles</a:t>
             </a:r>
           </a:p>
           <a:p>
             <a:pPr lvl="1"/>
             <a:r>
-              <a:rPr lang="en-US" smtClean="0"/>
+              <a:rPr lang="en-US"/>
               <a:t>Second level</a:t>
             </a:r>
           </a:p>
           <a:p>
             <a:pPr lvl="2"/>
             <a:r>
-              <a:rPr lang="en-US" smtClean="0"/>
+              <a:rPr lang="en-US"/>
               <a:t>Third level</a:t>
             </a:r>
           </a:p>
           <a:p>
             <a:pPr lvl="3"/>
             <a:r>
-              <a:rPr lang="en-US" smtClean="0"/>
+              <a:rPr lang="en-US"/>
               <a:t>Fourth level</a:t>
             </a:r>
           </a:p>
           <a:p>
             <a:pPr lvl="4"/>
             <a:r>
-              <a:rPr lang="en-US" smtClean="0"/>
+              <a:rPr lang="en-US"/>
               <a:t>Fifth level</a:t>
             </a:r>
             <a:endParaRPr lang="en-US" dirty="0"/>
@@ -2760,7 +2769,7 @@
               <a:buNone/>
             </a:pPr>
             <a:r>
-              <a:rPr lang="en-US" smtClean="0"/>
+              <a:rPr lang="en-US"/>
               <a:t>Click to edit Master text styles</a:t>
             </a:r>
           </a:p>
@@ -2788,35 +2797,35 @@
           <a:p>
             <a:pPr lvl="0"/>
             <a:r>
-              <a:rPr lang="en-US" smtClean="0"/>
+              <a:rPr lang="en-US"/>
               <a:t>Click to edit Master text styles</a:t>
             </a:r>
           </a:p>
           <a:p>
             <a:pPr lvl="1"/>
             <a:r>
-              <a:rPr lang="en-US" smtClean="0"/>
+              <a:rPr lang="en-US"/>
               <a:t>Second level</a:t>
             </a:r>
           </a:p>
           <a:p>
             <a:pPr lvl="2"/>
             <a:r>
-              <a:rPr lang="en-US" smtClean="0"/>
+              <a:rPr lang="en-US"/>
               <a:t>Third level</a:t>
             </a:r>
           </a:p>
           <a:p>
             <a:pPr lvl="3"/>
             <a:r>
-              <a:rPr lang="en-US" smtClean="0"/>
+              <a:rPr lang="en-US"/>
               <a:t>Fourth level</a:t>
             </a:r>
           </a:p>
           <a:p>
             <a:pPr lvl="4"/>
             <a:r>
-              <a:rPr lang="en-US" smtClean="0"/>
+              <a:rPr lang="en-US"/>
               <a:t>Fifth level</a:t>
             </a:r>
             <a:endParaRPr lang="en-US" dirty="0"/>
@@ -2934,7 +2943,7 @@
           <a:lstStyle/>
           <a:p>
             <a:r>
-              <a:rPr lang="en-US" smtClean="0"/>
+              <a:rPr lang="en-US"/>
               <a:t>Click to edit Master title style</a:t>
             </a:r>
             <a:endParaRPr lang="en-US" dirty="0"/>
@@ -3161,7 +3170,7 @@
           </a:lstStyle>
           <a:p>
             <a:r>
-              <a:rPr lang="en-US" smtClean="0"/>
+              <a:rPr lang="en-US"/>
               <a:t>Click to edit Master title style</a:t>
             </a:r>
             <a:endParaRPr lang="en-US" dirty="0"/>
@@ -3218,35 +3227,35 @@
           <a:p>
             <a:pPr lvl="0"/>
             <a:r>
-              <a:rPr lang="en-US" smtClean="0"/>
+              <a:rPr lang="en-US"/>
               <a:t>Click to edit Master text styles</a:t>
             </a:r>
           </a:p>
           <a:p>
             <a:pPr lvl="1"/>
             <a:r>
-              <a:rPr lang="en-US" smtClean="0"/>
+              <a:rPr lang="en-US"/>
               <a:t>Second level</a:t>
             </a:r>
           </a:p>
           <a:p>
             <a:pPr lvl="2"/>
             <a:r>
-              <a:rPr lang="en-US" smtClean="0"/>
+              <a:rPr lang="en-US"/>
               <a:t>Third level</a:t>
             </a:r>
           </a:p>
           <a:p>
             <a:pPr lvl="3"/>
             <a:r>
-              <a:rPr lang="en-US" smtClean="0"/>
+              <a:rPr lang="en-US"/>
               <a:t>Fourth level</a:t>
             </a:r>
           </a:p>
           <a:p>
             <a:pPr lvl="4"/>
             <a:r>
-              <a:rPr lang="en-US" smtClean="0"/>
+              <a:rPr lang="en-US"/>
               <a:t>Fifth level</a:t>
             </a:r>
             <a:endParaRPr lang="en-US" dirty="0"/>
@@ -3320,7 +3329,7 @@
           <a:p>
             <a:pPr lvl="0"/>
             <a:r>
-              <a:rPr lang="en-US" smtClean="0"/>
+              <a:rPr lang="en-US"/>
               <a:t>Click to edit Master text styles</a:t>
             </a:r>
           </a:p>
@@ -3448,7 +3457,7 @@
           </a:lstStyle>
           <a:p>
             <a:r>
-              <a:rPr lang="en-US" smtClean="0"/>
+              <a:rPr lang="en-US"/>
               <a:t>Click to edit Master title style</a:t>
             </a:r>
             <a:endParaRPr lang="en-US" dirty="0"/>
@@ -3519,7 +3528,7 @@
           </a:lstStyle>
           <a:p>
             <a:r>
-              <a:rPr lang="en-US" smtClean="0"/>
+              <a:rPr lang="en-US"/>
               <a:t>Click icon to add picture</a:t>
             </a:r>
             <a:endParaRPr lang="en-US" dirty="0"/>
@@ -3600,7 +3609,7 @@
           <a:p>
             <a:pPr lvl="0"/>
             <a:r>
-              <a:rPr lang="en-US" smtClean="0"/>
+              <a:rPr lang="en-US"/>
               <a:t>Click to edit Master text styles</a:t>
             </a:r>
           </a:p>
@@ -3767,7 +3776,7 @@
           <a:lstStyle/>
           <a:p>
             <a:r>
-              <a:rPr lang="en-US" smtClean="0"/>
+              <a:rPr lang="en-US"/>
               <a:t>Click to edit Master title style</a:t>
             </a:r>
             <a:endParaRPr lang="en-US" dirty="0"/>
@@ -3801,35 +3810,35 @@
           <a:p>
             <a:pPr lvl="0"/>
             <a:r>
-              <a:rPr lang="en-US" smtClean="0"/>
+              <a:rPr lang="en-US"/>
               <a:t>Click to edit Master text styles</a:t>
             </a:r>
           </a:p>
           <a:p>
             <a:pPr lvl="1"/>
             <a:r>
-              <a:rPr lang="en-US" smtClean="0"/>
+              <a:rPr lang="en-US"/>
               <a:t>Second level</a:t>
             </a:r>
           </a:p>
           <a:p>
             <a:pPr lvl="2"/>
             <a:r>
-              <a:rPr lang="en-US" smtClean="0"/>
+              <a:rPr lang="en-US"/>
               <a:t>Third level</a:t>
             </a:r>
           </a:p>
           <a:p>
             <a:pPr lvl="3"/>
             <a:r>
-              <a:rPr lang="en-US" smtClean="0"/>
+              <a:rPr lang="en-US"/>
               <a:t>Fourth level</a:t>
             </a:r>
           </a:p>
           <a:p>
             <a:pPr lvl="4"/>
             <a:r>
-              <a:rPr lang="en-US" smtClean="0"/>
+              <a:rPr lang="en-US"/>
               <a:t>Fifth level</a:t>
             </a:r>
             <a:endParaRPr lang="en-US" dirty="0"/>
@@ -4413,17 +4422,16 @@
           <a:lstStyle/>
           <a:p>
             <a:r>
-              <a:rPr lang="en-US" dirty="0" smtClean="0"/>
-              <a:t>Name:</a:t>
+              <a:rPr lang="en-US" dirty="0"/>
+              <a:t>Name:KARTIN WANJALA  MACHANJA</a:t>
             </a:r>
             <a:br>
-              <a:rPr lang="en-US" dirty="0" smtClean="0"/>
+              <a:rPr lang="en-US" dirty="0"/>
             </a:br>
             <a:r>
-              <a:rPr lang="en-US" dirty="0" smtClean="0"/>
-              <a:t>School:</a:t>
-            </a:r>
-            <a:endParaRPr lang="en-US" dirty="0"/>
+              <a:rPr lang="en-US" dirty="0"/>
+              <a:t>School: POWER LEARN PROJECT</a:t>
+            </a:r>
           </a:p>
         </p:txBody>
       </p:sp>
@@ -4496,35 +4504,19 @@
           <a:p>
             <a:r>
               <a:rPr lang="en-US" dirty="0"/>
-              <a:t>The workflow for this project involves several key steps. First, data is collected from water distribution systems and stored in a relational database. SQL queries are then used to retrieve and analyze this data</a:t>
-            </a:r>
-            <a:r>
-              <a:rPr lang="en-US" dirty="0" smtClean="0"/>
-              <a:t>.</a:t>
-            </a:r>
-          </a:p>
-          <a:p>
-            <a:r>
-              <a:rPr lang="en-US" dirty="0" smtClean="0"/>
-              <a:t>The </a:t>
-            </a:r>
+              <a:t>The workflow for this project involves several key steps. First, data is collected from water distribution systems and stored in a relational database. SQL queries are then used to retrieve and analyze this data.</a:t>
+            </a:r>
+          </a:p>
+          <a:p>
             <a:r>
               <a:rPr lang="en-US" dirty="0"/>
-              <a:t>results of the SQL queries are exported to Excel, where we use pivot tables and charts to visualize the data</a:t>
-            </a:r>
-            <a:r>
-              <a:rPr lang="en-US" dirty="0" smtClean="0"/>
-              <a:t>.</a:t>
-            </a:r>
-          </a:p>
-          <a:p>
-            <a:r>
-              <a:rPr lang="en-US" dirty="0" smtClean="0"/>
-              <a:t>We </a:t>
-            </a:r>
+              <a:t>The results of the SQL queries are exported to Excel, where we use pivot tables and charts to visualize the data.</a:t>
+            </a:r>
+          </a:p>
+          <a:p>
             <a:r>
               <a:rPr lang="en-US" dirty="0"/>
-              <a:t>also used Excel’s VLOOKUP function to automate the process of mapping IDs (such as </a:t>
+              <a:t>We also used Excel’s VLOOKUP function to automate the process of mapping IDs (such as </a:t>
             </a:r>
             <a:r>
               <a:rPr lang="en-US" dirty="0" err="1"/>
@@ -4614,35 +4606,19 @@
           <a:p>
             <a:r>
               <a:rPr lang="en-US" dirty="0"/>
-              <a:t>In summary, this project demonstrates how data-driven solutions can help address water scarcity in rural areas. By analyzing water distribution and usage patterns, we identified key inefficiencies and proposed practical solutions to improve resource allocation</a:t>
-            </a:r>
-            <a:r>
-              <a:rPr lang="en-US" dirty="0" smtClean="0"/>
-              <a:t>.</a:t>
-            </a:r>
-          </a:p>
-          <a:p>
-            <a:r>
-              <a:rPr lang="en-US" dirty="0" smtClean="0"/>
-              <a:t>This </a:t>
-            </a:r>
+              <a:t>In summary, this project demonstrates how data-driven solutions can help address water scarcity in rural areas. By analyzing water distribution and usage patterns, we identified key inefficiencies and proposed practical solutions to improve resource allocation.</a:t>
+            </a:r>
+          </a:p>
+          <a:p>
             <a:r>
               <a:rPr lang="en-US" dirty="0"/>
-              <a:t>approach can be scaled to other regions and even applied to different sectors, such as agriculture or energy</a:t>
-            </a:r>
-            <a:r>
-              <a:rPr lang="en-US" dirty="0" smtClean="0"/>
-              <a:t>.</a:t>
-            </a:r>
-          </a:p>
-          <a:p>
-            <a:r>
-              <a:rPr lang="en-US" dirty="0" smtClean="0"/>
-              <a:t>Looking </a:t>
-            </a:r>
+              <a:t>This approach can be scaled to other regions and even applied to different sectors, such as agriculture or energy.</a:t>
+            </a:r>
+          </a:p>
+          <a:p>
             <a:r>
               <a:rPr lang="en-US" dirty="0"/>
-              <a:t>ahead, we plan to integrate predictive analytics and </a:t>
+              <a:t>Looking ahead, we plan to integrate predictive analytics and </a:t>
             </a:r>
             <a:r>
               <a:rPr lang="en-US" dirty="0" err="1"/>
@@ -4701,10 +4677,9 @@
           <a:lstStyle/>
           <a:p>
             <a:r>
-              <a:rPr lang="en-US" dirty="0" smtClean="0"/>
+              <a:rPr lang="en-US" dirty="0"/>
               <a:t>Introduction</a:t>
             </a:r>
-            <a:endParaRPr lang="en-US" dirty="0"/>
           </a:p>
         </p:txBody>
       </p:sp>
@@ -4725,35 +4700,19 @@
           <a:p>
             <a:r>
               <a:rPr lang="en-US" dirty="0"/>
-              <a:t>This project aims to address a critical issue: water scarcity in rural areas. By focusing on Sustainable Development Goal 6 (SDG 6), we are contributing towards ensuring availability and sustainable management of water and sanitation for all</a:t>
-            </a:r>
-            <a:r>
-              <a:rPr lang="en-US" dirty="0" smtClean="0"/>
-              <a:t>.</a:t>
-            </a:r>
-          </a:p>
-          <a:p>
-            <a:r>
-              <a:rPr lang="en-US" dirty="0" smtClean="0"/>
-              <a:t>Our </a:t>
-            </a:r>
+              <a:t>This project aims to address a critical issue: water scarcity in rural areas. By focusing on Sustainable Development Goal 6 (SDG 6), we are contributing towards ensuring availability and sustainable management of water and sanitation for all.</a:t>
+            </a:r>
+          </a:p>
+          <a:p>
             <a:r>
               <a:rPr lang="en-US" dirty="0"/>
-              <a:t>solution uses a data-driven approach to analyze water usage and distribution patterns, aiming to optimize resource allocation and prevent shortages</a:t>
-            </a:r>
-            <a:r>
-              <a:rPr lang="en-US" dirty="0" smtClean="0"/>
-              <a:t>.</a:t>
-            </a:r>
-          </a:p>
-          <a:p>
-            <a:r>
-              <a:rPr lang="en-US" dirty="0" smtClean="0"/>
-              <a:t>The </a:t>
-            </a:r>
+              <a:t>Our solution uses a data-driven approach to analyze water usage and distribution patterns, aiming to optimize resource allocation and prevent shortages.</a:t>
+            </a:r>
+          </a:p>
+          <a:p>
             <a:r>
               <a:rPr lang="en-US" dirty="0"/>
-              <a:t>project specifically targets the inefficiencies in water distribution systems in rural communities, which often suffer from unequal access to clean water.</a:t>
+              <a:t>The project specifically targets the inefficiencies in water distribution systems in rural communities, which often suffer from unequal access to clean water.</a:t>
             </a:r>
           </a:p>
         </p:txBody>
@@ -4805,15 +4764,7 @@
           <a:p>
             <a:r>
               <a:rPr lang="en-US" dirty="0"/>
-              <a:t>Problem Definition and </a:t>
-            </a:r>
-            <a:r>
-              <a:rPr lang="en-US" dirty="0" smtClean="0"/>
-              <a:t>Significance:</a:t>
-            </a:r>
-            <a:r>
-              <a:rPr lang="en-US" dirty="0"/>
-              <a:t/>
+              <a:t>Problem Definition and Significance:</a:t>
             </a:r>
             <a:br>
               <a:rPr lang="en-US" dirty="0"/>
@@ -4853,39 +4804,23 @@
             </a:r>
             <a:r>
               <a:rPr lang="en-US" dirty="0"/>
-              <a:t>Many rural areas suffer from a lack of sufficient and reliable access to clean water. Despite available water resources, poor distribution systems result in some regions receiving less water than they need, while others experience wastage</a:t>
-            </a:r>
-            <a:r>
-              <a:rPr lang="en-US" dirty="0" smtClean="0"/>
-              <a:t>.</a:t>
-            </a:r>
-          </a:p>
-          <a:p>
-            <a:r>
-              <a:rPr lang="en-US" b="1" dirty="0" smtClean="0"/>
-              <a:t>Goal</a:t>
-            </a:r>
+              <a:t>Many rural areas suffer from a lack of sufficient and reliable access to clean water. Despite available water resources, poor distribution systems result in some regions receiving less water than they need, while others experience wastage.</a:t>
+            </a:r>
+          </a:p>
+          <a:p>
             <a:r>
               <a:rPr lang="en-US" b="1" dirty="0"/>
-              <a:t>: </a:t>
+              <a:t>Goal: </a:t>
             </a:r>
             <a:r>
               <a:rPr lang="en-US" dirty="0"/>
-              <a:t>The project seeks to use data to analyze where water shortages occur and how resources are being distributed. The idea is to develop a model that highlights inefficiencies and suggests better allocation based on demand and need</a:t>
-            </a:r>
-            <a:r>
-              <a:rPr lang="en-US" dirty="0" smtClean="0"/>
-              <a:t>.</a:t>
-            </a:r>
-          </a:p>
-          <a:p>
-            <a:r>
-              <a:rPr lang="en-US" b="1" dirty="0" smtClean="0"/>
-              <a:t>Significance</a:t>
-            </a:r>
+              <a:t>The project seeks to use data to analyze where water shortages occur and how resources are being distributed. The idea is to develop a model that highlights inefficiencies and suggests better allocation based on demand and need.</a:t>
+            </a:r>
+          </a:p>
+          <a:p>
             <a:r>
               <a:rPr lang="en-US" b="1" dirty="0"/>
-              <a:t>: </a:t>
+              <a:t>Significance: </a:t>
             </a:r>
             <a:r>
               <a:rPr lang="en-US" dirty="0"/>
@@ -5077,13 +5012,8 @@
           <a:p>
             <a:r>
               <a:rPr lang="en-US" dirty="0"/>
-              <a:t>This structure allows for detailed tracking and analysis, enabling us to pinpoint where water is being under or over-distributed and suggest corrective actions</a:t>
-            </a:r>
-            <a:r>
-              <a:rPr lang="en-US" dirty="0" smtClean="0"/>
-              <a:t>.</a:t>
-            </a:r>
-            <a:endParaRPr lang="en-US" dirty="0"/>
+              <a:t>This structure allows for detailed tracking and analysis, enabling us to pinpoint where water is being under or over-distributed and suggest corrective actions.</a:t>
+            </a:r>
           </a:p>
         </p:txBody>
       </p:sp>
@@ -5193,37 +5123,20 @@
           <a:p>
             <a:r>
               <a:rPr lang="en-US" dirty="0"/>
-              <a:t>One of the key processes in this project involves using SQL queries to retrieve relevant data from our database. For example, we wrote queries to calculate the total amount of water distributed to each region, enabling us to see which areas are receiving more or less water than they require</a:t>
-            </a:r>
-            <a:r>
-              <a:rPr lang="en-US" dirty="0" smtClean="0"/>
-              <a:t>.</a:t>
-            </a:r>
-          </a:p>
-          <a:p>
-            <a:r>
-              <a:rPr lang="en-US" dirty="0" smtClean="0"/>
-              <a:t>Another </a:t>
-            </a:r>
+              <a:t>One of the key processes in this project involves using SQL queries to retrieve relevant data from our database. For example, we wrote queries to calculate the total amount of water distributed to each region, enabling us to see which areas are receiving more or less water than they require.</a:t>
+            </a:r>
+          </a:p>
+          <a:p>
             <a:r>
               <a:rPr lang="en-US" dirty="0"/>
-              <a:t>query focused on analyzing water usage by region, helping us identify regions with high or low water consumption</a:t>
-            </a:r>
-            <a:r>
-              <a:rPr lang="en-US" dirty="0" smtClean="0"/>
-              <a:t>.</a:t>
-            </a:r>
-          </a:p>
-          <a:p>
-            <a:r>
-              <a:rPr lang="en-US" dirty="0" smtClean="0"/>
-              <a:t>These </a:t>
-            </a:r>
+              <a:t>Another query focused on analyzing water usage by region, helping us identify regions with high or low water consumption.</a:t>
+            </a:r>
+          </a:p>
+          <a:p>
             <a:r>
               <a:rPr lang="en-US" dirty="0"/>
-              <a:t>SQL queries form the backbone of our data analysis, allowing us to extract meaningful insights from large datasets and better understand the dynamics of water distribution and usage.</a:t>
-            </a:r>
-            <a:endParaRPr lang="en-US" dirty="0"/>
+              <a:t>These SQL queries form the backbone of our data analysis, allowing us to extract meaningful insights from large datasets and better understand the dynamics of water distribution and usage.</a:t>
+            </a:r>
           </a:p>
         </p:txBody>
       </p:sp>
@@ -5303,37 +5216,20 @@
           <a:p>
             <a:r>
               <a:rPr lang="en-US" dirty="0"/>
-              <a:t>Our analysis revealed significant disparities in water distribution across regions. For instance, some rural areas received far less water than needed relative to their population, while urban regions often received more than necessary</a:t>
-            </a:r>
-            <a:r>
-              <a:rPr lang="en-US" dirty="0" smtClean="0"/>
-              <a:t>.</a:t>
-            </a:r>
-          </a:p>
-          <a:p>
-            <a:r>
-              <a:rPr lang="en-US" dirty="0" smtClean="0"/>
-              <a:t>Rural </a:t>
-            </a:r>
+              <a:t>Our analysis revealed significant disparities in water distribution across regions. For instance, some rural areas received far less water than needed relative to their population, while urban regions often received more than necessary.</a:t>
+            </a:r>
+          </a:p>
+          <a:p>
             <a:r>
               <a:rPr lang="en-US" dirty="0"/>
-              <a:t>regions like Area A and Area B were identified as suffering the most from water scarcity. This was due to inefficient water distribution, with large amounts of water being allocated to urban regions with lower demand</a:t>
-            </a:r>
-            <a:r>
-              <a:rPr lang="en-US" dirty="0" smtClean="0"/>
-              <a:t>.</a:t>
-            </a:r>
-          </a:p>
-          <a:p>
-            <a:r>
-              <a:rPr lang="en-US" dirty="0" smtClean="0"/>
-              <a:t>These </a:t>
-            </a:r>
+              <a:t>Rural regions like Area A and Area B were identified as suffering the most from water scarcity. This was due to inefficient water distribution, with large amounts of water being allocated to urban regions with lower demand.</a:t>
+            </a:r>
+          </a:p>
+          <a:p>
             <a:r>
               <a:rPr lang="en-US" dirty="0"/>
-              <a:t>insights suggest that reallocation of resources is necessary to ensure more equitable distribution, allowing all regions to meet their water consumption needs.</a:t>
-            </a:r>
-            <a:endParaRPr lang="en-US" dirty="0"/>
+              <a:t>These insights suggest that reallocation of resources is necessary to ensure more equitable distribution, allowing all regions to meet their water consumption needs.</a:t>
+            </a:r>
           </a:p>
         </p:txBody>
       </p:sp>
@@ -5442,37 +5338,20 @@
           <a:p>
             <a:r>
               <a:rPr lang="en-US" dirty="0"/>
-              <a:t>We created an interactive Excel dashboard to visualize the key data insights. The dashboard allows stakeholders to see real-time data on water usage and distribution across regions</a:t>
-            </a:r>
-            <a:r>
-              <a:rPr lang="en-US" dirty="0" smtClean="0"/>
-              <a:t>.</a:t>
-            </a:r>
-          </a:p>
-          <a:p>
-            <a:r>
-              <a:rPr lang="en-US" dirty="0" smtClean="0"/>
-              <a:t>The </a:t>
-            </a:r>
+              <a:t>We created an interactive Excel dashboard to visualize the key data insights. The dashboard allows stakeholders to see real-time data on water usage and distribution across regions.</a:t>
+            </a:r>
+          </a:p>
+          <a:p>
             <a:r>
               <a:rPr lang="en-US" dirty="0"/>
-              <a:t>dashboard features charts and graphs that make it easy to compare the amount of water distributed versus the amount of water actually used in each region. This helps decision-makers quickly identify problem areas</a:t>
-            </a:r>
-            <a:r>
-              <a:rPr lang="en-US" dirty="0" smtClean="0"/>
-              <a:t>.</a:t>
-            </a:r>
-          </a:p>
-          <a:p>
-            <a:r>
-              <a:rPr lang="en-US" dirty="0" smtClean="0"/>
-              <a:t>The </a:t>
-            </a:r>
+              <a:t>The dashboard features charts and graphs that make it easy to compare the amount of water distributed versus the amount of water actually used in each region. This helps decision-makers quickly identify problem areas.</a:t>
+            </a:r>
+          </a:p>
+          <a:p>
             <a:r>
               <a:rPr lang="en-US" dirty="0"/>
-              <a:t>tool also includes filters that allow users to view data for specific time periods, water sources, or regions, making it a flexible and valuable resource for managing water distribution more effectively.</a:t>
-            </a:r>
-            <a:endParaRPr lang="en-US" dirty="0"/>
+              <a:t>The tool also includes filters that allow users to view data for specific time periods, water sources, or regions, making it a flexible and valuable resource for managing water distribution more effectively.</a:t>
+            </a:r>
           </a:p>
         </p:txBody>
       </p:sp>
@@ -5581,37 +5460,20 @@
           <a:p>
             <a:r>
               <a:rPr lang="en-US" dirty="0"/>
-              <a:t>One of the visualizations we developed was a comparison of water usage across different regions. This visualization allows us to clearly see which regions have the highest and lowest water consumption</a:t>
-            </a:r>
-            <a:r>
-              <a:rPr lang="en-US" dirty="0" smtClean="0"/>
-              <a:t>.</a:t>
-            </a:r>
-          </a:p>
-          <a:p>
-            <a:r>
-              <a:rPr lang="en-US" dirty="0" smtClean="0"/>
-              <a:t>This </a:t>
-            </a:r>
+              <a:t>One of the visualizations we developed was a comparison of water usage across different regions. This visualization allows us to clearly see which regions have the highest and lowest water consumption.</a:t>
+            </a:r>
+          </a:p>
+          <a:p>
             <a:r>
               <a:rPr lang="en-US" dirty="0"/>
-              <a:t>analysis is crucial for understanding the demand for water in each area, and it also highlights inefficiencies, such as regions receiving more water than they use</a:t>
-            </a:r>
-            <a:r>
-              <a:rPr lang="en-US" dirty="0" smtClean="0"/>
-              <a:t>.</a:t>
-            </a:r>
-          </a:p>
-          <a:p>
-            <a:r>
-              <a:rPr lang="en-US" dirty="0" smtClean="0"/>
-              <a:t>With </a:t>
-            </a:r>
+              <a:t>This analysis is crucial for understanding the demand for water in each area, and it also highlights inefficiencies, such as regions receiving more water than they use.</a:t>
+            </a:r>
+          </a:p>
+          <a:p>
             <a:r>
               <a:rPr lang="en-US" dirty="0"/>
-              <a:t>this information, we can make more informed decisions about how to allocate water resources, ensuring that regions with higher consumption receive sufficient water while reducing waste in areas with lower demand.</a:t>
-            </a:r>
-            <a:endParaRPr lang="en-US" dirty="0"/>
+              <a:t>With this information, we can make more informed decisions about how to allocate water resources, ensuring that regions with higher consumption receive sufficient water while reducing waste in areas with lower demand.</a:t>
+            </a:r>
           </a:p>
         </p:txBody>
       </p:sp>
@@ -5684,35 +5546,19 @@
           <a:p>
             <a:r>
               <a:rPr lang="en-US" dirty="0"/>
-              <a:t>Based on our data analysis, we recommend reallocating water resources to ensure that rural areas with higher populations and higher water consumption are prioritized</a:t>
-            </a:r>
-            <a:r>
-              <a:rPr lang="en-US" dirty="0" smtClean="0"/>
-              <a:t>.</a:t>
-            </a:r>
-          </a:p>
-          <a:p>
-            <a:r>
-              <a:rPr lang="en-US" dirty="0" smtClean="0"/>
-              <a:t>We </a:t>
-            </a:r>
+              <a:t>Based on our data analysis, we recommend reallocating water resources to ensure that rural areas with higher populations and higher water consumption are prioritized.</a:t>
+            </a:r>
+          </a:p>
+          <a:p>
             <a:r>
               <a:rPr lang="en-US" dirty="0"/>
-              <a:t>also suggest implementing real-time water monitoring systems in rural areas. This would allow for dynamic adjustments to water distribution based on actual usage patterns, reducing waste and shortages</a:t>
-            </a:r>
-            <a:r>
-              <a:rPr lang="en-US" dirty="0" smtClean="0"/>
-              <a:t>.</a:t>
-            </a:r>
-          </a:p>
-          <a:p>
-            <a:r>
-              <a:rPr lang="en-US" dirty="0" smtClean="0"/>
-              <a:t>Going </a:t>
-            </a:r>
+              <a:t>We also suggest implementing real-time water monitoring systems in rural areas. This would allow for dynamic adjustments to water distribution based on actual usage patterns, reducing waste and shortages.</a:t>
+            </a:r>
+          </a:p>
+          <a:p>
             <a:r>
               <a:rPr lang="en-US" dirty="0"/>
-              <a:t>forward, we recommend integrating predictive analytics into the system. This would enable better forecasting of water demand, allowing for proactive management of water resources in anticipation of changing needs.</a:t>
+              <a:t>Going forward, we recommend integrating predictive analytics into the system. This would enable better forecasting of water demand, allowing for proactive management of water resources in anticipation of changing needs.</a:t>
             </a:r>
           </a:p>
         </p:txBody>
